--- a/apresentação/DEVPIRA - Api´s com IA.pptx
+++ b/apresentação/DEVPIRA - Api´s com IA.pptx
@@ -16540,35 +16540,6 @@
           </a:p>
         </p:txBody>
       </p:sp>
-      <p:pic>
-        <p:nvPicPr>
-          <p:cNvPr id="4" name="Picture 5" descr="Graphical user interface, text&#10;&#10;Description automatically generated">
-            <a:extLst>
-              <a:ext uri="{FF2B5EF4-FFF2-40B4-BE49-F238E27FC236}">
-                <a16:creationId xmlns:a16="http://schemas.microsoft.com/office/drawing/2014/main" id="{0738C8AB-A787-4AAD-BCCD-5971BB270CD1}"/>
-              </a:ext>
-            </a:extLst>
-          </p:cNvPr>
-          <p:cNvPicPr>
-            <a:picLocks noChangeAspect="1"/>
-          </p:cNvPicPr>
-          <p:nvPr/>
-        </p:nvPicPr>
-        <p:blipFill rotWithShape="1">
-          <a:blip r:embed="rId2"/>
-          <a:srcRect r="48725" b="-1"/>
-          <a:stretch/>
-        </p:blipFill>
-        <p:spPr>
-          <a:xfrm>
-            <a:off x="6103027" y="10"/>
-            <a:ext cx="6088971" cy="6857990"/>
-          </a:xfrm>
-          <a:prstGeom prst="rect">
-            <a:avLst/>
-          </a:prstGeom>
-        </p:spPr>
-      </p:pic>
       <p:sp useBgFill="1">
         <p:nvSpPr>
           <p:cNvPr id="14" name="Rectangle 10">
@@ -16705,44 +16676,6 @@
       </p:sp>
       <p:sp>
         <p:nvSpPr>
-          <p:cNvPr id="2" name="Title 1">
-            <a:extLst>
-              <a:ext uri="{FF2B5EF4-FFF2-40B4-BE49-F238E27FC236}">
-                <a16:creationId xmlns:a16="http://schemas.microsoft.com/office/drawing/2014/main" id="{7C208BD3-EACD-4686-8F99-3BBAA99D8D97}"/>
-              </a:ext>
-            </a:extLst>
-          </p:cNvPr>
-          <p:cNvSpPr>
-            <a:spLocks noGrp="1"/>
-          </p:cNvSpPr>
-          <p:nvPr>
-            <p:ph type="title"/>
-          </p:nvPr>
-        </p:nvSpPr>
-        <p:spPr>
-          <a:xfrm>
-            <a:off x="761801" y="328512"/>
-            <a:ext cx="4778387" cy="1628970"/>
-          </a:xfrm>
-        </p:spPr>
-        <p:txBody>
-          <a:bodyPr anchor="ctr">
-            <a:normAutofit/>
-          </a:bodyPr>
-          <a:lstStyle/>
-          <a:p>
-            <a:r>
-              <a:rPr lang="en-US" sz="4000" dirty="0" err="1">
-                <a:cs typeface="Calibri Light"/>
-              </a:rPr>
-              <a:t>Contatos</a:t>
-            </a:r>
-            <a:endParaRPr lang="en-US" sz="4000" dirty="0"/>
-          </a:p>
-        </p:txBody>
-      </p:sp>
-      <p:sp>
-        <p:nvSpPr>
           <p:cNvPr id="3" name="Content Placeholder 2">
             <a:extLst>
               <a:ext uri="{FF2B5EF4-FFF2-40B4-BE49-F238E27FC236}">
@@ -16801,6 +16734,18 @@
                 <a:ea typeface="+mn-lt"/>
                 <a:cs typeface="+mn-lt"/>
               </a:rPr>
+              <a:t>https://github.com/NIZZOLA/devpira2023</a:t>
+            </a:r>
+          </a:p>
+          <a:p>
+            <a:pPr marL="0" indent="0">
+              <a:buNone/>
+            </a:pPr>
+            <a:r>
+              <a:rPr lang="en-US" sz="2000" dirty="0">
+                <a:ea typeface="+mn-lt"/>
+                <a:cs typeface="+mn-lt"/>
+              </a:rPr>
               <a:t>https://www.linkedin.com/in/nizzola</a:t>
             </a:r>
           </a:p>
@@ -16883,6 +16828,66 @@
           </a:p>
         </p:txBody>
       </p:sp>
+      <p:pic>
+        <p:nvPicPr>
+          <p:cNvPr id="5" name="Imagem 4">
+            <a:extLst>
+              <a:ext uri="{FF2B5EF4-FFF2-40B4-BE49-F238E27FC236}">
+                <a16:creationId xmlns:a16="http://schemas.microsoft.com/office/drawing/2014/main" id="{D2ECE02E-56E3-1211-7F94-48E6E0B75795}"/>
+              </a:ext>
+            </a:extLst>
+          </p:cNvPr>
+          <p:cNvPicPr>
+            <a:picLocks noChangeAspect="1"/>
+          </p:cNvPicPr>
+          <p:nvPr/>
+        </p:nvPicPr>
+        <p:blipFill>
+          <a:blip r:embed="rId2"/>
+          <a:stretch>
+            <a:fillRect/>
+          </a:stretch>
+        </p:blipFill>
+        <p:spPr>
+          <a:xfrm>
+            <a:off x="1649965" y="172351"/>
+            <a:ext cx="2632773" cy="3408121"/>
+          </a:xfrm>
+          <a:prstGeom prst="rect">
+            <a:avLst/>
+          </a:prstGeom>
+        </p:spPr>
+      </p:pic>
+      <p:pic>
+        <p:nvPicPr>
+          <p:cNvPr id="9" name="Imagem 8">
+            <a:extLst>
+              <a:ext uri="{FF2B5EF4-FFF2-40B4-BE49-F238E27FC236}">
+                <a16:creationId xmlns:a16="http://schemas.microsoft.com/office/drawing/2014/main" id="{E143FD82-E71D-1FAD-9063-E64969A4033F}"/>
+              </a:ext>
+            </a:extLst>
+          </p:cNvPr>
+          <p:cNvPicPr>
+            <a:picLocks noChangeAspect="1"/>
+          </p:cNvPicPr>
+          <p:nvPr/>
+        </p:nvPicPr>
+        <p:blipFill>
+          <a:blip r:embed="rId3"/>
+          <a:stretch>
+            <a:fillRect/>
+          </a:stretch>
+        </p:blipFill>
+        <p:spPr>
+          <a:xfrm>
+            <a:off x="5229165" y="0"/>
+            <a:ext cx="7115060" cy="6858000"/>
+          </a:xfrm>
+          <a:prstGeom prst="rect">
+            <a:avLst/>
+          </a:prstGeom>
+        </p:spPr>
+      </p:pic>
     </p:spTree>
     <p:extLst>
       <p:ext uri="{BB962C8B-B14F-4D97-AF65-F5344CB8AC3E}">
@@ -24441,15 +24446,6 @@
 </file>
 
 <file path=customXml/item1.xml><?xml version="1.0" encoding="utf-8"?>
-<?mso-contentType ?>
-<FormTemplates xmlns="http://schemas.microsoft.com/sharepoint/v3/contenttype/forms">
-  <Display>DocumentLibraryForm</Display>
-  <Edit>DocumentLibraryForm</Edit>
-  <New>DocumentLibraryForm</New>
-</FormTemplates>
-</file>
-
-<file path=customXml/item2.xml><?xml version="1.0" encoding="utf-8"?>
 <ct:contentTypeSchema xmlns:ct="http://schemas.microsoft.com/office/2006/metadata/contentType" xmlns:ma="http://schemas.microsoft.com/office/2006/metadata/properties/metaAttributes" ct:_="" ma:_="" ma:contentTypeName="Document" ma:contentTypeID="0x0101002597767F490B704FB45DB77C7BBBF403" ma:contentTypeVersion="16" ma:contentTypeDescription="Create a new document." ma:contentTypeScope="" ma:versionID="14cbcc3327ecd6027f3259f7d55c597a">
   <xsd:schema xmlns:xsd="http://www.w3.org/2001/XMLSchema" xmlns:xs="http://www.w3.org/2001/XMLSchema" xmlns:p="http://schemas.microsoft.com/office/2006/metadata/properties" xmlns:ns3="4f247c5c-2ec1-4984-b426-81d1df4dc2f4" xmlns:ns4="c2b98676-d295-4f71-84b8-71878a8cdc7c" targetNamespace="http://schemas.microsoft.com/office/2006/metadata/properties" ma:root="true" ma:fieldsID="c503bc1621958fb95129eda2d962cbc0" ns3:_="" ns4:_="">
     <xsd:import namespace="4f247c5c-2ec1-4984-b426-81d1df4dc2f4"/>
@@ -24690,6 +24686,15 @@
 </ct:contentTypeSchema>
 </file>
 
+<file path=customXml/item2.xml><?xml version="1.0" encoding="utf-8"?>
+<?mso-contentType ?>
+<FormTemplates xmlns="http://schemas.microsoft.com/sharepoint/v3/contenttype/forms">
+  <Display>DocumentLibraryForm</Display>
+  <Edit>DocumentLibraryForm</Edit>
+  <New>DocumentLibraryForm</New>
+</FormTemplates>
+</file>
+
 <file path=customXml/item3.xml><?xml version="1.0" encoding="utf-8"?>
 <p:properties xmlns:p="http://schemas.microsoft.com/office/2006/metadata/properties" xmlns:xsi="http://www.w3.org/2001/XMLSchema-instance" xmlns:pc="http://schemas.microsoft.com/office/infopath/2007/PartnerControls">
   <documentManagement>
@@ -24699,14 +24704,6 @@
 </file>
 
 <file path=customXml/itemProps1.xml><?xml version="1.0" encoding="utf-8"?>
-<ds:datastoreItem xmlns:ds="http://schemas.openxmlformats.org/officeDocument/2006/customXml" ds:itemID="{F1CFBCF7-2BD3-4E73-A033-176A7A6ECB3D}">
-  <ds:schemaRefs>
-    <ds:schemaRef ds:uri="http://schemas.microsoft.com/sharepoint/v3/contenttype/forms"/>
-  </ds:schemaRefs>
-</ds:datastoreItem>
-</file>
-
-<file path=customXml/itemProps2.xml><?xml version="1.0" encoding="utf-8"?>
 <ds:datastoreItem xmlns:ds="http://schemas.openxmlformats.org/officeDocument/2006/customXml" ds:itemID="{5E845AB5-EF73-4B79-923F-D38DD40E3DE2}">
   <ds:schemaRefs>
     <ds:schemaRef ds:uri="http://schemas.microsoft.com/office/2006/metadata/contentType"/>
@@ -24721,6 +24718,14 @@
     <ds:schemaRef ds:uri="http://purl.org/dc/elements/1.1/"/>
     <ds:schemaRef ds:uri="http://purl.org/dc/terms/"/>
     <ds:schemaRef ds:uri="http://schemas.microsoft.com/internal/obd"/>
+  </ds:schemaRefs>
+</ds:datastoreItem>
+</file>
+
+<file path=customXml/itemProps2.xml><?xml version="1.0" encoding="utf-8"?>
+<ds:datastoreItem xmlns:ds="http://schemas.openxmlformats.org/officeDocument/2006/customXml" ds:itemID="{F1CFBCF7-2BD3-4E73-A033-176A7A6ECB3D}">
+  <ds:schemaRefs>
+    <ds:schemaRef ds:uri="http://schemas.microsoft.com/sharepoint/v3/contenttype/forms"/>
   </ds:schemaRefs>
 </ds:datastoreItem>
 </file>
